--- a/Java 相關/JDBC補充.pptx
+++ b/Java 相關/JDBC補充.pptx
@@ -9,6 +9,7 @@
     <p:sldId id="257" r:id="rId3"/>
     <p:sldId id="258" r:id="rId4"/>
     <p:sldId id="259" r:id="rId5"/>
+    <p:sldId id="260" r:id="rId6"/>
   </p:sldIdLst>
   <p:sldSz cx="12192000" cy="6858000"/>
   <p:notesSz cx="6858000" cy="9144000"/>
@@ -107,6 +108,11 @@
       </a:defRPr>
     </a:lvl9pPr>
   </p:defaultTextStyle>
+  <p:extLst>
+    <p:ext uri="{EFAFB233-063F-42B5-8137-9DF3F51BA10A}">
+      <p15:sldGuideLst xmlns:p15="http://schemas.microsoft.com/office/powerpoint/2012/main"/>
+    </p:ext>
+  </p:extLst>
 </p:presentation>
 </file>
 
@@ -336,7 +342,7 @@
           <a:p>
             <a:fld id="{24523AC0-800B-4D45-8435-FBEC32F58BA9}" type="datetimeFigureOut">
               <a:rPr lang="zh-TW" altLang="en-US" smtClean="0"/>
-              <a:t>2023/11/29</a:t>
+              <a:t>2023/11/30</a:t>
             </a:fld>
             <a:endParaRPr lang="zh-TW" altLang="en-US"/>
           </a:p>
@@ -544,7 +550,7 @@
           <a:p>
             <a:fld id="{24523AC0-800B-4D45-8435-FBEC32F58BA9}" type="datetimeFigureOut">
               <a:rPr lang="zh-TW" altLang="en-US" smtClean="0"/>
-              <a:t>2023/11/29</a:t>
+              <a:t>2023/11/30</a:t>
             </a:fld>
             <a:endParaRPr lang="zh-TW" altLang="en-US"/>
           </a:p>
@@ -800,7 +806,7 @@
           <a:p>
             <a:fld id="{24523AC0-800B-4D45-8435-FBEC32F58BA9}" type="datetimeFigureOut">
               <a:rPr lang="zh-TW" altLang="en-US" smtClean="0"/>
-              <a:t>2023/11/29</a:t>
+              <a:t>2023/11/30</a:t>
             </a:fld>
             <a:endParaRPr lang="zh-TW" altLang="en-US"/>
           </a:p>
@@ -974,7 +980,7 @@
           <a:p>
             <a:fld id="{24523AC0-800B-4D45-8435-FBEC32F58BA9}" type="datetimeFigureOut">
               <a:rPr lang="zh-TW" altLang="en-US" smtClean="0"/>
-              <a:t>2023/11/29</a:t>
+              <a:t>2023/11/30</a:t>
             </a:fld>
             <a:endParaRPr lang="zh-TW" altLang="en-US"/>
           </a:p>
@@ -1317,7 +1323,7 @@
           <a:p>
             <a:fld id="{24523AC0-800B-4D45-8435-FBEC32F58BA9}" type="datetimeFigureOut">
               <a:rPr lang="zh-TW" altLang="en-US" smtClean="0"/>
-              <a:t>2023/11/29</a:t>
+              <a:t>2023/11/30</a:t>
             </a:fld>
             <a:endParaRPr lang="zh-TW" altLang="en-US"/>
           </a:p>
@@ -1592,7 +1598,7 @@
           <a:p>
             <a:fld id="{24523AC0-800B-4D45-8435-FBEC32F58BA9}" type="datetimeFigureOut">
               <a:rPr lang="zh-TW" altLang="en-US" smtClean="0"/>
-              <a:t>2023/11/29</a:t>
+              <a:t>2023/11/30</a:t>
             </a:fld>
             <a:endParaRPr lang="zh-TW" altLang="en-US"/>
           </a:p>
@@ -1971,7 +1977,7 @@
           <a:p>
             <a:fld id="{24523AC0-800B-4D45-8435-FBEC32F58BA9}" type="datetimeFigureOut">
               <a:rPr lang="zh-TW" altLang="en-US" smtClean="0"/>
-              <a:t>2023/11/29</a:t>
+              <a:t>2023/11/30</a:t>
             </a:fld>
             <a:endParaRPr lang="zh-TW" altLang="en-US"/>
           </a:p>
@@ -2089,7 +2095,7 @@
           <a:p>
             <a:fld id="{24523AC0-800B-4D45-8435-FBEC32F58BA9}" type="datetimeFigureOut">
               <a:rPr lang="zh-TW" altLang="en-US" smtClean="0"/>
-              <a:t>2023/11/29</a:t>
+              <a:t>2023/11/30</a:t>
             </a:fld>
             <a:endParaRPr lang="zh-TW" altLang="en-US"/>
           </a:p>
@@ -2260,7 +2266,7 @@
           <a:p>
             <a:fld id="{24523AC0-800B-4D45-8435-FBEC32F58BA9}" type="datetimeFigureOut">
               <a:rPr lang="zh-TW" altLang="en-US" smtClean="0"/>
-              <a:t>2023/11/29</a:t>
+              <a:t>2023/11/30</a:t>
             </a:fld>
             <a:endParaRPr lang="zh-TW" altLang="en-US"/>
           </a:p>
@@ -2614,7 +2620,7 @@
           <a:p>
             <a:fld id="{24523AC0-800B-4D45-8435-FBEC32F58BA9}" type="datetimeFigureOut">
               <a:rPr lang="zh-TW" altLang="en-US" smtClean="0"/>
-              <a:t>2023/11/29</a:t>
+              <a:t>2023/11/30</a:t>
             </a:fld>
             <a:endParaRPr lang="zh-TW" altLang="en-US"/>
           </a:p>
@@ -2996,7 +3002,7 @@
           <a:p>
             <a:fld id="{24523AC0-800B-4D45-8435-FBEC32F58BA9}" type="datetimeFigureOut">
               <a:rPr lang="zh-TW" altLang="en-US" smtClean="0"/>
-              <a:t>2023/11/29</a:t>
+              <a:t>2023/11/30</a:t>
             </a:fld>
             <a:endParaRPr lang="zh-TW" altLang="en-US"/>
           </a:p>
@@ -3283,7 +3289,7 @@
           <a:p>
             <a:fld id="{24523AC0-800B-4D45-8435-FBEC32F58BA9}" type="datetimeFigureOut">
               <a:rPr lang="zh-TW" altLang="en-US" smtClean="0"/>
-              <a:t>2023/11/29</a:t>
+              <a:t>2023/11/30</a:t>
             </a:fld>
             <a:endParaRPr lang="zh-TW" altLang="en-US"/>
           </a:p>
@@ -5751,6 +5757,119 @@
 </p:sld>
 </file>
 
+<file path=ppt/slides/slide5.xml><?xml version="1.0" encoding="utf-8"?>
+<p:sld xmlns:a="http://schemas.openxmlformats.org/drawingml/2006/main" xmlns:r="http://schemas.openxmlformats.org/officeDocument/2006/relationships" xmlns:p="http://schemas.openxmlformats.org/presentationml/2006/main">
+  <p:cSld>
+    <p:spTree>
+      <p:nvGrpSpPr>
+        <p:cNvPr id="1" name=""/>
+        <p:cNvGrpSpPr/>
+        <p:nvPr/>
+      </p:nvGrpSpPr>
+      <p:grpSpPr>
+        <a:xfrm>
+          <a:off x="0" y="0"/>
+          <a:ext cx="0" cy="0"/>
+          <a:chOff x="0" y="0"/>
+          <a:chExt cx="0" cy="0"/>
+        </a:xfrm>
+      </p:grpSpPr>
+      <p:sp>
+        <p:nvSpPr>
+          <p:cNvPr id="2" name="標題 1">
+            <a:extLst>
+              <a:ext uri="{FF2B5EF4-FFF2-40B4-BE49-F238E27FC236}">
+                <a16:creationId xmlns:a16="http://schemas.microsoft.com/office/drawing/2014/main" id="{BDB0E05C-2B8F-4D6B-9CF1-3799BF54C00B}"/>
+              </a:ext>
+            </a:extLst>
+          </p:cNvPr>
+          <p:cNvSpPr>
+            <a:spLocks noGrp="1"/>
+          </p:cNvSpPr>
+          <p:nvPr>
+            <p:ph type="title"/>
+          </p:nvPr>
+        </p:nvSpPr>
+        <p:spPr/>
+        <p:txBody>
+          <a:bodyPr/>
+          <a:lstStyle/>
+          <a:p>
+            <a:r>
+              <a:rPr lang="zh-TW" altLang="en-US" dirty="0">
+                <a:latin typeface="微軟正黑體" panose="020B0604030504040204" pitchFamily="34" charset="-120"/>
+                <a:ea typeface="微軟正黑體" panose="020B0604030504040204" pitchFamily="34" charset="-120"/>
+              </a:rPr>
+              <a:t>連線池 </a:t>
+            </a:r>
+            <a:r>
+              <a:rPr lang="en-US" altLang="zh-TW" dirty="0">
+                <a:latin typeface="微軟正黑體" panose="020B0604030504040204" pitchFamily="34" charset="-120"/>
+                <a:ea typeface="微軟正黑體" panose="020B0604030504040204" pitchFamily="34" charset="-120"/>
+              </a:rPr>
+              <a:t>(Connection Pool)</a:t>
+            </a:r>
+            <a:endParaRPr lang="zh-TW" altLang="en-US" dirty="0">
+              <a:latin typeface="微軟正黑體" panose="020B0604030504040204" pitchFamily="34" charset="-120"/>
+              <a:ea typeface="微軟正黑體" panose="020B0604030504040204" pitchFamily="34" charset="-120"/>
+            </a:endParaRPr>
+          </a:p>
+        </p:txBody>
+      </p:sp>
+      <p:sp>
+        <p:nvSpPr>
+          <p:cNvPr id="3" name="內容版面配置區 2">
+            <a:extLst>
+              <a:ext uri="{FF2B5EF4-FFF2-40B4-BE49-F238E27FC236}">
+                <a16:creationId xmlns:a16="http://schemas.microsoft.com/office/drawing/2014/main" id="{2B2258BF-7C84-4150-936A-F8037BFF7E76}"/>
+              </a:ext>
+            </a:extLst>
+          </p:cNvPr>
+          <p:cNvSpPr>
+            <a:spLocks noGrp="1"/>
+          </p:cNvSpPr>
+          <p:nvPr>
+            <p:ph idx="1"/>
+          </p:nvPr>
+        </p:nvSpPr>
+        <p:spPr/>
+        <p:txBody>
+          <a:bodyPr/>
+          <a:lstStyle/>
+          <a:p>
+            <a:pPr>
+              <a:buFont typeface="Wingdings" panose="05000000000000000000" pitchFamily="2" charset="2"/>
+              <a:buChar char="l"/>
+            </a:pPr>
+            <a:r>
+              <a:rPr lang="en-US" altLang="zh-TW" dirty="0"/>
+              <a:t>  </a:t>
+            </a:r>
+            <a:r>
+              <a:rPr lang="zh-TW" altLang="en-US" dirty="0"/>
+              <a:t>很重要，等段老師來，聽他說 </a:t>
+            </a:r>
+            <a:r>
+              <a:rPr lang="en-US" altLang="zh-TW" dirty="0"/>
+              <a:t>…. </a:t>
+            </a:r>
+            <a:endParaRPr lang="zh-TW" altLang="en-US" dirty="0"/>
+          </a:p>
+        </p:txBody>
+      </p:sp>
+    </p:spTree>
+    <p:extLst>
+      <p:ext uri="{BB962C8B-B14F-4D97-AF65-F5344CB8AC3E}">
+        <p14:creationId xmlns:p14="http://schemas.microsoft.com/office/powerpoint/2010/main" val="1409725212"/>
+      </p:ext>
+    </p:extLst>
+  </p:cSld>
+  <p:clrMapOvr>
+    <a:masterClrMapping/>
+  </p:clrMapOvr>
+</p:sld>
+</file>
+
 <file path=ppt/theme/theme1.xml><?xml version="1.0" encoding="utf-8"?>
 <a:theme xmlns:a="http://schemas.openxmlformats.org/drawingml/2006/main" name="回顧">
   <a:themeElements>
